--- a/presentations/zwischenbericht.pptx
+++ b/presentations/zwischenbericht.pptx
@@ -7285,7 +7285,7 @@
               <a:pPr>
                 <a:defRPr/>
               </a:pPr>
-              <a:t>10.06.2018</a:t>
+              <a:t>12.06.2018</a:t>
             </a:fld>
             <a:endParaRPr lang="de-DE" sz="1000" dirty="0">
               <a:latin typeface="Arial" pitchFamily="34" charset="0"/>
@@ -10417,622 +10417,6 @@
           </a:p>
         </p:txBody>
       </p:sp>
-      <p:grpSp>
-        <p:nvGrpSpPr>
-          <p:cNvPr id="6" name="Gruppieren 5">
-            <a:extLst>
-              <a:ext uri="{FF2B5EF4-FFF2-40B4-BE49-F238E27FC236}">
-                <a16:creationId xmlns:a16="http://schemas.microsoft.com/office/drawing/2014/main" id="{A7D17CD5-2670-480E-A381-E63988FBE0A8}"/>
-              </a:ext>
-            </a:extLst>
-          </p:cNvPr>
-          <p:cNvGrpSpPr/>
-          <p:nvPr/>
-        </p:nvGrpSpPr>
-        <p:grpSpPr>
-          <a:xfrm>
-            <a:off x="3900" y="6014135"/>
-            <a:ext cx="9096909" cy="291949"/>
-            <a:chOff x="3900" y="6014135"/>
-            <a:chExt cx="9096909" cy="291949"/>
-          </a:xfrm>
-        </p:grpSpPr>
-        <p:sp>
-          <p:nvSpPr>
-            <p:cNvPr id="7" name="Textfeld 13">
-              <a:extLst>
-                <a:ext uri="{FF2B5EF4-FFF2-40B4-BE49-F238E27FC236}">
-                  <a16:creationId xmlns:a16="http://schemas.microsoft.com/office/drawing/2014/main" id="{ED035199-DF79-49D7-B304-549CED62E666}"/>
-                </a:ext>
-              </a:extLst>
-            </p:cNvPr>
-            <p:cNvSpPr txBox="1"/>
-            <p:nvPr/>
-          </p:nvSpPr>
-          <p:spPr>
-            <a:xfrm>
-              <a:off x="1441467" y="6029085"/>
-              <a:ext cx="1280322" cy="276999"/>
-            </a:xfrm>
-            <a:prstGeom prst="rect">
-              <a:avLst/>
-            </a:prstGeom>
-            <a:noFill/>
-            <a:ln>
-              <a:noFill/>
-            </a:ln>
-          </p:spPr>
-          <p:style>
-            <a:lnRef idx="2">
-              <a:schemeClr val="accent3"/>
-            </a:lnRef>
-            <a:fillRef idx="1">
-              <a:schemeClr val="lt1"/>
-            </a:fillRef>
-            <a:effectRef idx="0">
-              <a:schemeClr val="accent3"/>
-            </a:effectRef>
-            <a:fontRef idx="minor">
-              <a:schemeClr val="dk1"/>
-            </a:fontRef>
-          </p:style>
-          <p:txBody>
-            <a:bodyPr wrap="square" rtlCol="0">
-              <a:spAutoFit/>
-            </a:bodyPr>
-            <a:lstStyle/>
-            <a:p>
-              <a:r>
-                <a:rPr lang="de-DE" sz="1200" dirty="0"/>
-                <a:t>State of the Art</a:t>
-              </a:r>
-            </a:p>
-          </p:txBody>
-        </p:sp>
-        <p:sp>
-          <p:nvSpPr>
-            <p:cNvPr id="8" name="Textfeld 7">
-              <a:extLst>
-                <a:ext uri="{FF2B5EF4-FFF2-40B4-BE49-F238E27FC236}">
-                  <a16:creationId xmlns:a16="http://schemas.microsoft.com/office/drawing/2014/main" id="{E9DCA59B-3019-4D39-B838-2521721C781B}"/>
-                </a:ext>
-              </a:extLst>
-            </p:cNvPr>
-            <p:cNvSpPr txBox="1"/>
-            <p:nvPr/>
-          </p:nvSpPr>
-          <p:spPr>
-            <a:xfrm>
-              <a:off x="3085875" y="6029085"/>
-              <a:ext cx="968086" cy="276999"/>
-            </a:xfrm>
-            <a:prstGeom prst="rect">
-              <a:avLst/>
-            </a:prstGeom>
-            <a:noFill/>
-            <a:ln>
-              <a:noFill/>
-            </a:ln>
-          </p:spPr>
-          <p:style>
-            <a:lnRef idx="2">
-              <a:schemeClr val="accent3"/>
-            </a:lnRef>
-            <a:fillRef idx="1">
-              <a:schemeClr val="lt1"/>
-            </a:fillRef>
-            <a:effectRef idx="0">
-              <a:schemeClr val="accent3"/>
-            </a:effectRef>
-            <a:fontRef idx="minor">
-              <a:schemeClr val="dk1"/>
-            </a:fontRef>
-          </p:style>
-          <p:txBody>
-            <a:bodyPr wrap="none" rtlCol="0">
-              <a:spAutoFit/>
-            </a:bodyPr>
-            <a:lstStyle/>
-            <a:p>
-              <a:r>
-                <a:rPr lang="de-DE" sz="1200" dirty="0"/>
-                <a:t>Vorarbeiten</a:t>
-              </a:r>
-            </a:p>
-          </p:txBody>
-        </p:sp>
-        <p:sp>
-          <p:nvSpPr>
-            <p:cNvPr id="9" name="Textfeld 8">
-              <a:extLst>
-                <a:ext uri="{FF2B5EF4-FFF2-40B4-BE49-F238E27FC236}">
-                  <a16:creationId xmlns:a16="http://schemas.microsoft.com/office/drawing/2014/main" id="{78EE02A6-4CAE-49D1-BCB4-0A0ADED008A4}"/>
-                </a:ext>
-              </a:extLst>
-            </p:cNvPr>
-            <p:cNvSpPr txBox="1"/>
-            <p:nvPr/>
-          </p:nvSpPr>
-          <p:spPr>
-            <a:xfrm>
-              <a:off x="7605607" y="6029085"/>
-              <a:ext cx="1495202" cy="276999"/>
-            </a:xfrm>
-            <a:prstGeom prst="rect">
-              <a:avLst/>
-            </a:prstGeom>
-            <a:noFill/>
-            <a:ln>
-              <a:noFill/>
-            </a:ln>
-          </p:spPr>
-          <p:style>
-            <a:lnRef idx="2">
-              <a:schemeClr val="accent3"/>
-            </a:lnRef>
-            <a:fillRef idx="1">
-              <a:schemeClr val="lt1"/>
-            </a:fillRef>
-            <a:effectRef idx="0">
-              <a:schemeClr val="accent3"/>
-            </a:effectRef>
-            <a:fontRef idx="minor">
-              <a:schemeClr val="dk1"/>
-            </a:fontRef>
-          </p:style>
-          <p:txBody>
-            <a:bodyPr wrap="square" rtlCol="0">
-              <a:spAutoFit/>
-            </a:bodyPr>
-            <a:lstStyle/>
-            <a:p>
-              <a:r>
-                <a:rPr lang="de-DE" sz="1200" dirty="0"/>
-                <a:t>Zusammenfassung</a:t>
-              </a:r>
-            </a:p>
-          </p:txBody>
-        </p:sp>
-        <p:sp>
-          <p:nvSpPr>
-            <p:cNvPr id="10" name="Textfeld 9">
-              <a:extLst>
-                <a:ext uri="{FF2B5EF4-FFF2-40B4-BE49-F238E27FC236}">
-                  <a16:creationId xmlns:a16="http://schemas.microsoft.com/office/drawing/2014/main" id="{FE698ABA-AE03-4021-9D99-3854BDE3194B}"/>
-                </a:ext>
-              </a:extLst>
-            </p:cNvPr>
-            <p:cNvSpPr txBox="1"/>
-            <p:nvPr/>
-          </p:nvSpPr>
-          <p:spPr>
-            <a:xfrm>
-              <a:off x="188448" y="6029085"/>
-              <a:ext cx="888933" cy="276999"/>
-            </a:xfrm>
-            <a:prstGeom prst="rect">
-              <a:avLst/>
-            </a:prstGeom>
-            <a:noFill/>
-            <a:ln>
-              <a:noFill/>
-            </a:ln>
-          </p:spPr>
-          <p:style>
-            <a:lnRef idx="2">
-              <a:schemeClr val="accent3"/>
-            </a:lnRef>
-            <a:fillRef idx="1">
-              <a:schemeClr val="lt1"/>
-            </a:fillRef>
-            <a:effectRef idx="0">
-              <a:schemeClr val="accent3"/>
-            </a:effectRef>
-            <a:fontRef idx="minor">
-              <a:schemeClr val="dk1"/>
-            </a:fontRef>
-          </p:style>
-          <p:txBody>
-            <a:bodyPr wrap="square" rtlCol="0">
-              <a:spAutoFit/>
-            </a:bodyPr>
-            <a:lstStyle/>
-            <a:p>
-              <a:r>
-                <a:rPr lang="en-US" sz="1200" dirty="0"/>
-                <a:t>Motivation</a:t>
-              </a:r>
-            </a:p>
-          </p:txBody>
-        </p:sp>
-        <p:sp>
-          <p:nvSpPr>
-            <p:cNvPr id="11" name="Eingekerbter Richtungspfeil 23">
-              <a:extLst>
-                <a:ext uri="{FF2B5EF4-FFF2-40B4-BE49-F238E27FC236}">
-                  <a16:creationId xmlns:a16="http://schemas.microsoft.com/office/drawing/2014/main" id="{4ADCA51F-B347-4CFD-B503-1ACAC6B7AA6E}"/>
-                </a:ext>
-              </a:extLst>
-            </p:cNvPr>
-            <p:cNvSpPr/>
-            <p:nvPr/>
-          </p:nvSpPr>
-          <p:spPr>
-            <a:xfrm>
-              <a:off x="1180176" y="6088336"/>
-              <a:ext cx="158496" cy="158496"/>
-            </a:xfrm>
-            <a:prstGeom prst="chevron">
-              <a:avLst/>
-            </a:prstGeom>
-          </p:spPr>
-          <p:style>
-            <a:lnRef idx="1">
-              <a:schemeClr val="accent4"/>
-            </a:lnRef>
-            <a:fillRef idx="2">
-              <a:schemeClr val="accent4"/>
-            </a:fillRef>
-            <a:effectRef idx="1">
-              <a:schemeClr val="accent4"/>
-            </a:effectRef>
-            <a:fontRef idx="minor">
-              <a:schemeClr val="dk1"/>
-            </a:fontRef>
-          </p:style>
-          <p:txBody>
-            <a:bodyPr rtlCol="0" anchor="ctr"/>
-            <a:lstStyle/>
-            <a:p>
-              <a:pPr algn="ctr"/>
-              <a:endParaRPr lang="de-DE" dirty="0">
-                <a:solidFill>
-                  <a:schemeClr val="tx1"/>
-                </a:solidFill>
-              </a:endParaRPr>
-            </a:p>
-          </p:txBody>
-        </p:sp>
-        <p:sp>
-          <p:nvSpPr>
-            <p:cNvPr id="12" name="Eingekerbter Richtungspfeil 24">
-              <a:extLst>
-                <a:ext uri="{FF2B5EF4-FFF2-40B4-BE49-F238E27FC236}">
-                  <a16:creationId xmlns:a16="http://schemas.microsoft.com/office/drawing/2014/main" id="{BBD83C78-FA18-4607-BA7A-C0EE12DF95F3}"/>
-                </a:ext>
-              </a:extLst>
-            </p:cNvPr>
-            <p:cNvSpPr/>
-            <p:nvPr/>
-          </p:nvSpPr>
-          <p:spPr>
-            <a:xfrm>
-              <a:off x="2824584" y="6088336"/>
-              <a:ext cx="158496" cy="158496"/>
-            </a:xfrm>
-            <a:prstGeom prst="chevron">
-              <a:avLst/>
-            </a:prstGeom>
-          </p:spPr>
-          <p:style>
-            <a:lnRef idx="1">
-              <a:schemeClr val="accent4"/>
-            </a:lnRef>
-            <a:fillRef idx="2">
-              <a:schemeClr val="accent4"/>
-            </a:fillRef>
-            <a:effectRef idx="1">
-              <a:schemeClr val="accent4"/>
-            </a:effectRef>
-            <a:fontRef idx="minor">
-              <a:schemeClr val="dk1"/>
-            </a:fontRef>
-          </p:style>
-          <p:txBody>
-            <a:bodyPr rtlCol="0" anchor="ctr"/>
-            <a:lstStyle/>
-            <a:p>
-              <a:pPr algn="ctr"/>
-              <a:endParaRPr lang="de-DE">
-                <a:solidFill>
-                  <a:schemeClr val="tx1"/>
-                </a:solidFill>
-              </a:endParaRPr>
-            </a:p>
-          </p:txBody>
-        </p:sp>
-        <p:sp>
-          <p:nvSpPr>
-            <p:cNvPr id="13" name="Eingekerbter Richtungspfeil 25">
-              <a:extLst>
-                <a:ext uri="{FF2B5EF4-FFF2-40B4-BE49-F238E27FC236}">
-                  <a16:creationId xmlns:a16="http://schemas.microsoft.com/office/drawing/2014/main" id="{43D30B66-B202-4F98-8D80-2767C21EC425}"/>
-                </a:ext>
-              </a:extLst>
-            </p:cNvPr>
-            <p:cNvSpPr/>
-            <p:nvPr/>
-          </p:nvSpPr>
-          <p:spPr>
-            <a:xfrm>
-              <a:off x="7344316" y="6088336"/>
-              <a:ext cx="158496" cy="158496"/>
-            </a:xfrm>
-            <a:prstGeom prst="chevron">
-              <a:avLst/>
-            </a:prstGeom>
-          </p:spPr>
-          <p:style>
-            <a:lnRef idx="1">
-              <a:schemeClr val="accent4"/>
-            </a:lnRef>
-            <a:fillRef idx="2">
-              <a:schemeClr val="accent4"/>
-            </a:fillRef>
-            <a:effectRef idx="1">
-              <a:schemeClr val="accent4"/>
-            </a:effectRef>
-            <a:fontRef idx="minor">
-              <a:schemeClr val="dk1"/>
-            </a:fontRef>
-          </p:style>
-          <p:txBody>
-            <a:bodyPr rtlCol="0" anchor="ctr"/>
-            <a:lstStyle/>
-            <a:p>
-              <a:pPr algn="ctr"/>
-              <a:endParaRPr lang="de-DE" dirty="0">
-                <a:solidFill>
-                  <a:schemeClr val="tx1"/>
-                </a:solidFill>
-              </a:endParaRPr>
-            </a:p>
-          </p:txBody>
-        </p:sp>
-        <p:cxnSp>
-          <p:nvCxnSpPr>
-            <p:cNvPr id="14" name="Gerade Verbindung 28">
-              <a:extLst>
-                <a:ext uri="{FF2B5EF4-FFF2-40B4-BE49-F238E27FC236}">
-                  <a16:creationId xmlns:a16="http://schemas.microsoft.com/office/drawing/2014/main" id="{52407239-1D11-433D-80F7-9531A52EFE52}"/>
-                </a:ext>
-              </a:extLst>
-            </p:cNvPr>
-            <p:cNvCxnSpPr/>
-            <p:nvPr/>
-          </p:nvCxnSpPr>
-          <p:spPr>
-            <a:xfrm>
-              <a:off x="3900" y="6014135"/>
-              <a:ext cx="9072000" cy="1588"/>
-            </a:xfrm>
-            <a:prstGeom prst="line">
-              <a:avLst/>
-            </a:prstGeom>
-            <a:ln w="41275">
-              <a:solidFill>
-                <a:schemeClr val="accent3">
-                  <a:lumMod val="85000"/>
-                </a:schemeClr>
-              </a:solidFill>
-            </a:ln>
-          </p:spPr>
-          <p:style>
-            <a:lnRef idx="1">
-              <a:schemeClr val="accent1"/>
-            </a:lnRef>
-            <a:fillRef idx="0">
-              <a:schemeClr val="accent1"/>
-            </a:fillRef>
-            <a:effectRef idx="0">
-              <a:schemeClr val="accent1"/>
-            </a:effectRef>
-            <a:fontRef idx="minor">
-              <a:schemeClr val="tx1"/>
-            </a:fontRef>
-          </p:style>
-        </p:cxnSp>
-        <p:sp>
-          <p:nvSpPr>
-            <p:cNvPr id="15" name="Textfeld 14">
-              <a:extLst>
-                <a:ext uri="{FF2B5EF4-FFF2-40B4-BE49-F238E27FC236}">
-                  <a16:creationId xmlns:a16="http://schemas.microsoft.com/office/drawing/2014/main" id="{51A6C9B5-2C67-41A1-B2C7-70FA77F2439D}"/>
-                </a:ext>
-              </a:extLst>
-            </p:cNvPr>
-            <p:cNvSpPr txBox="1"/>
-            <p:nvPr/>
-          </p:nvSpPr>
-          <p:spPr>
-            <a:xfrm>
-              <a:off x="4418047" y="6029085"/>
-              <a:ext cx="1491302" cy="276999"/>
-            </a:xfrm>
-            <a:prstGeom prst="rect">
-              <a:avLst/>
-            </a:prstGeom>
-            <a:noFill/>
-            <a:ln>
-              <a:noFill/>
-            </a:ln>
-          </p:spPr>
-          <p:style>
-            <a:lnRef idx="2">
-              <a:schemeClr val="accent3"/>
-            </a:lnRef>
-            <a:fillRef idx="1">
-              <a:schemeClr val="lt1"/>
-            </a:fillRef>
-            <a:effectRef idx="0">
-              <a:schemeClr val="accent3"/>
-            </a:effectRef>
-            <a:fontRef idx="minor">
-              <a:schemeClr val="dk1"/>
-            </a:fontRef>
-          </p:style>
-          <p:txBody>
-            <a:bodyPr wrap="square" rtlCol="0">
-              <a:spAutoFit/>
-            </a:bodyPr>
-            <a:lstStyle/>
-            <a:p>
-              <a:r>
-                <a:rPr lang="de-DE" sz="1200" dirty="0"/>
-                <a:t>Ziele &amp; Methodik</a:t>
-              </a:r>
-            </a:p>
-          </p:txBody>
-        </p:sp>
-        <p:sp>
-          <p:nvSpPr>
-            <p:cNvPr id="16" name="Eingekerbter Richtungspfeil 25">
-              <a:extLst>
-                <a:ext uri="{FF2B5EF4-FFF2-40B4-BE49-F238E27FC236}">
-                  <a16:creationId xmlns:a16="http://schemas.microsoft.com/office/drawing/2014/main" id="{ECAE7A86-8E4C-497E-A9C0-3DFB0703D9BC}"/>
-                </a:ext>
-              </a:extLst>
-            </p:cNvPr>
-            <p:cNvSpPr/>
-            <p:nvPr/>
-          </p:nvSpPr>
-          <p:spPr>
-            <a:xfrm>
-              <a:off x="4156756" y="6088336"/>
-              <a:ext cx="158496" cy="158496"/>
-            </a:xfrm>
-            <a:prstGeom prst="chevron">
-              <a:avLst/>
-            </a:prstGeom>
-          </p:spPr>
-          <p:style>
-            <a:lnRef idx="1">
-              <a:schemeClr val="accent4"/>
-            </a:lnRef>
-            <a:fillRef idx="2">
-              <a:schemeClr val="accent4"/>
-            </a:fillRef>
-            <a:effectRef idx="1">
-              <a:schemeClr val="accent4"/>
-            </a:effectRef>
-            <a:fontRef idx="minor">
-              <a:schemeClr val="dk1"/>
-            </a:fontRef>
-          </p:style>
-          <p:txBody>
-            <a:bodyPr rtlCol="0" anchor="ctr"/>
-            <a:lstStyle/>
-            <a:p>
-              <a:pPr algn="ctr"/>
-              <a:endParaRPr lang="de-DE">
-                <a:solidFill>
-                  <a:schemeClr val="tx1"/>
-                </a:solidFill>
-              </a:endParaRPr>
-            </a:p>
-          </p:txBody>
-        </p:sp>
-        <p:sp>
-          <p:nvSpPr>
-            <p:cNvPr id="17" name="Textfeld 16">
-              <a:extLst>
-                <a:ext uri="{FF2B5EF4-FFF2-40B4-BE49-F238E27FC236}">
-                  <a16:creationId xmlns:a16="http://schemas.microsoft.com/office/drawing/2014/main" id="{617D88AD-819C-4780-A73F-F42E296E7166}"/>
-                </a:ext>
-              </a:extLst>
-            </p:cNvPr>
-            <p:cNvSpPr txBox="1"/>
-            <p:nvPr/>
-          </p:nvSpPr>
-          <p:spPr>
-            <a:xfrm>
-              <a:off x="6273434" y="6029085"/>
-              <a:ext cx="1029065" cy="276999"/>
-            </a:xfrm>
-            <a:prstGeom prst="rect">
-              <a:avLst/>
-            </a:prstGeom>
-            <a:noFill/>
-            <a:ln>
-              <a:noFill/>
-            </a:ln>
-          </p:spPr>
-          <p:style>
-            <a:lnRef idx="2">
-              <a:schemeClr val="accent3"/>
-            </a:lnRef>
-            <a:fillRef idx="1">
-              <a:schemeClr val="lt1"/>
-            </a:fillRef>
-            <a:effectRef idx="0">
-              <a:schemeClr val="accent3"/>
-            </a:effectRef>
-            <a:fontRef idx="minor">
-              <a:schemeClr val="dk1"/>
-            </a:fontRef>
-          </p:style>
-          <p:txBody>
-            <a:bodyPr wrap="square" rtlCol="0">
-              <a:spAutoFit/>
-            </a:bodyPr>
-            <a:lstStyle/>
-            <a:p>
-              <a:r>
-                <a:rPr lang="de-DE" sz="1200" b="1" dirty="0"/>
-                <a:t>Arbeitsplan</a:t>
-              </a:r>
-            </a:p>
-          </p:txBody>
-        </p:sp>
-        <p:sp>
-          <p:nvSpPr>
-            <p:cNvPr id="18" name="Eingekerbter Richtungspfeil 25">
-              <a:extLst>
-                <a:ext uri="{FF2B5EF4-FFF2-40B4-BE49-F238E27FC236}">
-                  <a16:creationId xmlns:a16="http://schemas.microsoft.com/office/drawing/2014/main" id="{10DB3AAE-80BA-45AD-99D1-483EDD52C587}"/>
-                </a:ext>
-              </a:extLst>
-            </p:cNvPr>
-            <p:cNvSpPr/>
-            <p:nvPr/>
-          </p:nvSpPr>
-          <p:spPr>
-            <a:xfrm>
-              <a:off x="6012144" y="6088336"/>
-              <a:ext cx="158496" cy="158496"/>
-            </a:xfrm>
-            <a:prstGeom prst="chevron">
-              <a:avLst/>
-            </a:prstGeom>
-          </p:spPr>
-          <p:style>
-            <a:lnRef idx="1">
-              <a:schemeClr val="accent4"/>
-            </a:lnRef>
-            <a:fillRef idx="2">
-              <a:schemeClr val="accent4"/>
-            </a:fillRef>
-            <a:effectRef idx="1">
-              <a:schemeClr val="accent4"/>
-            </a:effectRef>
-            <a:fontRef idx="minor">
-              <a:schemeClr val="dk1"/>
-            </a:fontRef>
-          </p:style>
-          <p:txBody>
-            <a:bodyPr rtlCol="0" anchor="ctr"/>
-            <a:lstStyle/>
-            <a:p>
-              <a:pPr algn="ctr"/>
-              <a:endParaRPr lang="de-DE">
-                <a:solidFill>
-                  <a:schemeClr val="tx1"/>
-                </a:solidFill>
-              </a:endParaRPr>
-            </a:p>
-          </p:txBody>
-        </p:sp>
-      </p:grpSp>
       <p:sp>
         <p:nvSpPr>
           <p:cNvPr id="2" name="Rechteck 1">
@@ -11139,6 +10523,422 @@
           </a:p>
         </p:txBody>
       </p:sp>
+      <p:grpSp>
+        <p:nvGrpSpPr>
+          <p:cNvPr id="20" name="Gruppieren 19">
+            <a:extLst>
+              <a:ext uri="{FF2B5EF4-FFF2-40B4-BE49-F238E27FC236}">
+                <a16:creationId xmlns:a16="http://schemas.microsoft.com/office/drawing/2014/main" id="{F3FF8B28-5564-49CC-BA53-8B5AFDF237B0}"/>
+              </a:ext>
+            </a:extLst>
+          </p:cNvPr>
+          <p:cNvGrpSpPr/>
+          <p:nvPr/>
+        </p:nvGrpSpPr>
+        <p:grpSpPr>
+          <a:xfrm>
+            <a:off x="3900" y="6014135"/>
+            <a:ext cx="9072000" cy="301151"/>
+            <a:chOff x="3900" y="6014135"/>
+            <a:chExt cx="9072000" cy="301151"/>
+          </a:xfrm>
+        </p:grpSpPr>
+        <p:sp>
+          <p:nvSpPr>
+            <p:cNvPr id="21" name="Textfeld 20">
+              <a:extLst>
+                <a:ext uri="{FF2B5EF4-FFF2-40B4-BE49-F238E27FC236}">
+                  <a16:creationId xmlns:a16="http://schemas.microsoft.com/office/drawing/2014/main" id="{7ADFAF2E-9F0D-4739-948E-EEBEB0AE8669}"/>
+                </a:ext>
+              </a:extLst>
+            </p:cNvPr>
+            <p:cNvSpPr txBox="1"/>
+            <p:nvPr/>
+          </p:nvSpPr>
+          <p:spPr>
+            <a:xfrm>
+              <a:off x="7514250" y="6038287"/>
+              <a:ext cx="1495202" cy="276999"/>
+            </a:xfrm>
+            <a:prstGeom prst="rect">
+              <a:avLst/>
+            </a:prstGeom>
+            <a:noFill/>
+            <a:ln>
+              <a:noFill/>
+            </a:ln>
+          </p:spPr>
+          <p:style>
+            <a:lnRef idx="2">
+              <a:schemeClr val="accent3"/>
+            </a:lnRef>
+            <a:fillRef idx="1">
+              <a:schemeClr val="lt1"/>
+            </a:fillRef>
+            <a:effectRef idx="0">
+              <a:schemeClr val="accent3"/>
+            </a:effectRef>
+            <a:fontRef idx="minor">
+              <a:schemeClr val="dk1"/>
+            </a:fontRef>
+          </p:style>
+          <p:txBody>
+            <a:bodyPr wrap="square" rtlCol="0">
+              <a:spAutoFit/>
+            </a:bodyPr>
+            <a:lstStyle/>
+            <a:p>
+              <a:r>
+                <a:rPr lang="de-DE" sz="1200" dirty="0"/>
+                <a:t>Zusammenfassung</a:t>
+              </a:r>
+            </a:p>
+          </p:txBody>
+        </p:sp>
+        <p:sp>
+          <p:nvSpPr>
+            <p:cNvPr id="22" name="Textfeld 21">
+              <a:extLst>
+                <a:ext uri="{FF2B5EF4-FFF2-40B4-BE49-F238E27FC236}">
+                  <a16:creationId xmlns:a16="http://schemas.microsoft.com/office/drawing/2014/main" id="{562B3AFC-32D6-4A5D-8DB5-AF782C0950E0}"/>
+                </a:ext>
+              </a:extLst>
+            </p:cNvPr>
+            <p:cNvSpPr txBox="1"/>
+            <p:nvPr/>
+          </p:nvSpPr>
+          <p:spPr>
+            <a:xfrm>
+              <a:off x="97091" y="6038287"/>
+              <a:ext cx="888933" cy="276999"/>
+            </a:xfrm>
+            <a:prstGeom prst="rect">
+              <a:avLst/>
+            </a:prstGeom>
+            <a:noFill/>
+            <a:ln>
+              <a:noFill/>
+            </a:ln>
+          </p:spPr>
+          <p:style>
+            <a:lnRef idx="2">
+              <a:schemeClr val="accent3"/>
+            </a:lnRef>
+            <a:fillRef idx="1">
+              <a:schemeClr val="lt1"/>
+            </a:fillRef>
+            <a:effectRef idx="0">
+              <a:schemeClr val="accent3"/>
+            </a:effectRef>
+            <a:fontRef idx="minor">
+              <a:schemeClr val="dk1"/>
+            </a:fontRef>
+          </p:style>
+          <p:txBody>
+            <a:bodyPr wrap="square" rtlCol="0">
+              <a:spAutoFit/>
+            </a:bodyPr>
+            <a:lstStyle/>
+            <a:p>
+              <a:r>
+                <a:rPr lang="en-US" sz="1200" dirty="0"/>
+                <a:t>Motivation</a:t>
+              </a:r>
+            </a:p>
+          </p:txBody>
+        </p:sp>
+        <p:sp>
+          <p:nvSpPr>
+            <p:cNvPr id="23" name="Eingekerbter Richtungspfeil 23">
+              <a:extLst>
+                <a:ext uri="{FF2B5EF4-FFF2-40B4-BE49-F238E27FC236}">
+                  <a16:creationId xmlns:a16="http://schemas.microsoft.com/office/drawing/2014/main" id="{F7D71DC8-5C4E-4ED6-951D-96EECCA50ABE}"/>
+                </a:ext>
+              </a:extLst>
+            </p:cNvPr>
+            <p:cNvSpPr/>
+            <p:nvPr/>
+          </p:nvSpPr>
+          <p:spPr>
+            <a:xfrm>
+              <a:off x="1574753" y="6097538"/>
+              <a:ext cx="158496" cy="158496"/>
+            </a:xfrm>
+            <a:prstGeom prst="chevron">
+              <a:avLst/>
+            </a:prstGeom>
+          </p:spPr>
+          <p:style>
+            <a:lnRef idx="1">
+              <a:schemeClr val="accent4"/>
+            </a:lnRef>
+            <a:fillRef idx="2">
+              <a:schemeClr val="accent4"/>
+            </a:fillRef>
+            <a:effectRef idx="1">
+              <a:schemeClr val="accent4"/>
+            </a:effectRef>
+            <a:fontRef idx="minor">
+              <a:schemeClr val="dk1"/>
+            </a:fontRef>
+          </p:style>
+          <p:txBody>
+            <a:bodyPr rtlCol="0" anchor="ctr"/>
+            <a:lstStyle/>
+            <a:p>
+              <a:pPr algn="ctr"/>
+              <a:endParaRPr lang="de-DE" dirty="0">
+                <a:solidFill>
+                  <a:schemeClr val="tx1"/>
+                </a:solidFill>
+              </a:endParaRPr>
+            </a:p>
+          </p:txBody>
+        </p:sp>
+        <p:sp>
+          <p:nvSpPr>
+            <p:cNvPr id="24" name="Eingekerbter Richtungspfeil 25">
+              <a:extLst>
+                <a:ext uri="{FF2B5EF4-FFF2-40B4-BE49-F238E27FC236}">
+                  <a16:creationId xmlns:a16="http://schemas.microsoft.com/office/drawing/2014/main" id="{671CE754-B6C7-4E7D-BCBA-B5A5E751ECC2}"/>
+                </a:ext>
+              </a:extLst>
+            </p:cNvPr>
+            <p:cNvSpPr/>
+            <p:nvPr/>
+          </p:nvSpPr>
+          <p:spPr>
+            <a:xfrm>
+              <a:off x="6767028" y="6097538"/>
+              <a:ext cx="158496" cy="158496"/>
+            </a:xfrm>
+            <a:prstGeom prst="chevron">
+              <a:avLst/>
+            </a:prstGeom>
+          </p:spPr>
+          <p:style>
+            <a:lnRef idx="1">
+              <a:schemeClr val="accent4"/>
+            </a:lnRef>
+            <a:fillRef idx="2">
+              <a:schemeClr val="accent4"/>
+            </a:fillRef>
+            <a:effectRef idx="1">
+              <a:schemeClr val="accent4"/>
+            </a:effectRef>
+            <a:fontRef idx="minor">
+              <a:schemeClr val="dk1"/>
+            </a:fontRef>
+          </p:style>
+          <p:txBody>
+            <a:bodyPr rtlCol="0" anchor="ctr"/>
+            <a:lstStyle/>
+            <a:p>
+              <a:pPr algn="ctr"/>
+              <a:endParaRPr lang="de-DE" dirty="0">
+                <a:solidFill>
+                  <a:schemeClr val="tx1"/>
+                </a:solidFill>
+              </a:endParaRPr>
+            </a:p>
+          </p:txBody>
+        </p:sp>
+        <p:cxnSp>
+          <p:nvCxnSpPr>
+            <p:cNvPr id="25" name="Gerade Verbindung 28">
+              <a:extLst>
+                <a:ext uri="{FF2B5EF4-FFF2-40B4-BE49-F238E27FC236}">
+                  <a16:creationId xmlns:a16="http://schemas.microsoft.com/office/drawing/2014/main" id="{DBB7782E-2274-4D8D-8F37-AA6BAD31E6E8}"/>
+                </a:ext>
+              </a:extLst>
+            </p:cNvPr>
+            <p:cNvCxnSpPr/>
+            <p:nvPr/>
+          </p:nvCxnSpPr>
+          <p:spPr>
+            <a:xfrm>
+              <a:off x="3900" y="6014135"/>
+              <a:ext cx="9072000" cy="1588"/>
+            </a:xfrm>
+            <a:prstGeom prst="line">
+              <a:avLst/>
+            </a:prstGeom>
+            <a:ln w="41275">
+              <a:solidFill>
+                <a:schemeClr val="accent3">
+                  <a:lumMod val="85000"/>
+                </a:schemeClr>
+              </a:solidFill>
+            </a:ln>
+          </p:spPr>
+          <p:style>
+            <a:lnRef idx="1">
+              <a:schemeClr val="accent1"/>
+            </a:lnRef>
+            <a:fillRef idx="0">
+              <a:schemeClr val="accent1"/>
+            </a:fillRef>
+            <a:effectRef idx="0">
+              <a:schemeClr val="accent1"/>
+            </a:effectRef>
+            <a:fontRef idx="minor">
+              <a:schemeClr val="tx1"/>
+            </a:fontRef>
+          </p:style>
+        </p:cxnSp>
+        <p:sp>
+          <p:nvSpPr>
+            <p:cNvPr id="26" name="Textfeld 25">
+              <a:extLst>
+                <a:ext uri="{FF2B5EF4-FFF2-40B4-BE49-F238E27FC236}">
+                  <a16:creationId xmlns:a16="http://schemas.microsoft.com/office/drawing/2014/main" id="{E29883A3-0CD9-41A5-B198-3E36EA379473}"/>
+                </a:ext>
+              </a:extLst>
+            </p:cNvPr>
+            <p:cNvSpPr txBox="1"/>
+            <p:nvPr/>
+          </p:nvSpPr>
+          <p:spPr>
+            <a:xfrm>
+              <a:off x="4686997" y="6038287"/>
+              <a:ext cx="1491302" cy="276999"/>
+            </a:xfrm>
+            <a:prstGeom prst="rect">
+              <a:avLst/>
+            </a:prstGeom>
+            <a:noFill/>
+            <a:ln>
+              <a:noFill/>
+            </a:ln>
+          </p:spPr>
+          <p:style>
+            <a:lnRef idx="2">
+              <a:schemeClr val="accent3"/>
+            </a:lnRef>
+            <a:fillRef idx="1">
+              <a:schemeClr val="lt1"/>
+            </a:fillRef>
+            <a:effectRef idx="0">
+              <a:schemeClr val="accent3"/>
+            </a:effectRef>
+            <a:fontRef idx="minor">
+              <a:schemeClr val="dk1"/>
+            </a:fontRef>
+          </p:style>
+          <p:txBody>
+            <a:bodyPr wrap="square" rtlCol="0">
+              <a:spAutoFit/>
+            </a:bodyPr>
+            <a:lstStyle/>
+            <a:p>
+              <a:r>
+                <a:rPr lang="de-DE" sz="1200" dirty="0"/>
+                <a:t>Erste Ergebnisse</a:t>
+              </a:r>
+            </a:p>
+          </p:txBody>
+        </p:sp>
+        <p:sp>
+          <p:nvSpPr>
+            <p:cNvPr id="27" name="Textfeld 26">
+              <a:extLst>
+                <a:ext uri="{FF2B5EF4-FFF2-40B4-BE49-F238E27FC236}">
+                  <a16:creationId xmlns:a16="http://schemas.microsoft.com/office/drawing/2014/main" id="{0F6B70B1-2358-4B9E-AD37-2029E0C792C9}"/>
+                </a:ext>
+              </a:extLst>
+            </p:cNvPr>
+            <p:cNvSpPr txBox="1"/>
+            <p:nvPr/>
+          </p:nvSpPr>
+          <p:spPr>
+            <a:xfrm>
+              <a:off x="2321978" y="6038287"/>
+              <a:ext cx="1029065" cy="276999"/>
+            </a:xfrm>
+            <a:prstGeom prst="rect">
+              <a:avLst/>
+            </a:prstGeom>
+            <a:noFill/>
+            <a:ln>
+              <a:noFill/>
+            </a:ln>
+          </p:spPr>
+          <p:style>
+            <a:lnRef idx="2">
+              <a:schemeClr val="accent3"/>
+            </a:lnRef>
+            <a:fillRef idx="1">
+              <a:schemeClr val="lt1"/>
+            </a:fillRef>
+            <a:effectRef idx="0">
+              <a:schemeClr val="accent3"/>
+            </a:effectRef>
+            <a:fontRef idx="minor">
+              <a:schemeClr val="dk1"/>
+            </a:fontRef>
+          </p:style>
+          <p:txBody>
+            <a:bodyPr wrap="square" rtlCol="0">
+              <a:spAutoFit/>
+            </a:bodyPr>
+            <a:lstStyle/>
+            <a:p>
+              <a:r>
+                <a:rPr lang="de-DE" sz="1200" b="1" dirty="0"/>
+                <a:t>Arbeitsplan</a:t>
+              </a:r>
+            </a:p>
+          </p:txBody>
+        </p:sp>
+        <p:sp>
+          <p:nvSpPr>
+            <p:cNvPr id="28" name="Eingekerbter Richtungspfeil 25">
+              <a:extLst>
+                <a:ext uri="{FF2B5EF4-FFF2-40B4-BE49-F238E27FC236}">
+                  <a16:creationId xmlns:a16="http://schemas.microsoft.com/office/drawing/2014/main" id="{6EDD7F54-BFF7-4984-92FD-DF470CA23B3F}"/>
+                </a:ext>
+              </a:extLst>
+            </p:cNvPr>
+            <p:cNvSpPr/>
+            <p:nvPr/>
+          </p:nvSpPr>
+          <p:spPr>
+            <a:xfrm>
+              <a:off x="3939772" y="6097538"/>
+              <a:ext cx="158496" cy="158496"/>
+            </a:xfrm>
+            <a:prstGeom prst="chevron">
+              <a:avLst/>
+            </a:prstGeom>
+          </p:spPr>
+          <p:style>
+            <a:lnRef idx="1">
+              <a:schemeClr val="accent4"/>
+            </a:lnRef>
+            <a:fillRef idx="2">
+              <a:schemeClr val="accent4"/>
+            </a:fillRef>
+            <a:effectRef idx="1">
+              <a:schemeClr val="accent4"/>
+            </a:effectRef>
+            <a:fontRef idx="minor">
+              <a:schemeClr val="dk1"/>
+            </a:fontRef>
+          </p:style>
+          <p:txBody>
+            <a:bodyPr rtlCol="0" anchor="ctr"/>
+            <a:lstStyle/>
+            <a:p>
+              <a:pPr algn="ctr"/>
+              <a:endParaRPr lang="de-DE">
+                <a:solidFill>
+                  <a:schemeClr val="tx1"/>
+                </a:solidFill>
+              </a:endParaRPr>
+            </a:p>
+          </p:txBody>
+        </p:sp>
+      </p:grpSp>
     </p:spTree>
     <p:extLst>
       <p:ext uri="{BB962C8B-B14F-4D97-AF65-F5344CB8AC3E}">
@@ -11294,622 +11094,6 @@
           </a:p>
         </p:txBody>
       </p:sp>
-      <p:grpSp>
-        <p:nvGrpSpPr>
-          <p:cNvPr id="9" name="Gruppieren 8">
-            <a:extLst>
-              <a:ext uri="{FF2B5EF4-FFF2-40B4-BE49-F238E27FC236}">
-                <a16:creationId xmlns:a16="http://schemas.microsoft.com/office/drawing/2014/main" id="{7DBF667D-8EF4-48C9-BA8C-7032A1A30931}"/>
-              </a:ext>
-            </a:extLst>
-          </p:cNvPr>
-          <p:cNvGrpSpPr/>
-          <p:nvPr/>
-        </p:nvGrpSpPr>
-        <p:grpSpPr>
-          <a:xfrm>
-            <a:off x="3900" y="6014135"/>
-            <a:ext cx="9096909" cy="291949"/>
-            <a:chOff x="3900" y="6014135"/>
-            <a:chExt cx="9096909" cy="291949"/>
-          </a:xfrm>
-        </p:grpSpPr>
-        <p:sp>
-          <p:nvSpPr>
-            <p:cNvPr id="10" name="Textfeld 13">
-              <a:extLst>
-                <a:ext uri="{FF2B5EF4-FFF2-40B4-BE49-F238E27FC236}">
-                  <a16:creationId xmlns:a16="http://schemas.microsoft.com/office/drawing/2014/main" id="{E0C7378E-CC53-4597-9585-B0BF32ACAAF5}"/>
-                </a:ext>
-              </a:extLst>
-            </p:cNvPr>
-            <p:cNvSpPr txBox="1"/>
-            <p:nvPr/>
-          </p:nvSpPr>
-          <p:spPr>
-            <a:xfrm>
-              <a:off x="1441467" y="6029085"/>
-              <a:ext cx="1280322" cy="276999"/>
-            </a:xfrm>
-            <a:prstGeom prst="rect">
-              <a:avLst/>
-            </a:prstGeom>
-            <a:noFill/>
-            <a:ln>
-              <a:noFill/>
-            </a:ln>
-          </p:spPr>
-          <p:style>
-            <a:lnRef idx="2">
-              <a:schemeClr val="accent3"/>
-            </a:lnRef>
-            <a:fillRef idx="1">
-              <a:schemeClr val="lt1"/>
-            </a:fillRef>
-            <a:effectRef idx="0">
-              <a:schemeClr val="accent3"/>
-            </a:effectRef>
-            <a:fontRef idx="minor">
-              <a:schemeClr val="dk1"/>
-            </a:fontRef>
-          </p:style>
-          <p:txBody>
-            <a:bodyPr wrap="square" rtlCol="0">
-              <a:spAutoFit/>
-            </a:bodyPr>
-            <a:lstStyle/>
-            <a:p>
-              <a:r>
-                <a:rPr lang="de-DE" sz="1200" dirty="0"/>
-                <a:t>State of the Art</a:t>
-              </a:r>
-            </a:p>
-          </p:txBody>
-        </p:sp>
-        <p:sp>
-          <p:nvSpPr>
-            <p:cNvPr id="11" name="Textfeld 10">
-              <a:extLst>
-                <a:ext uri="{FF2B5EF4-FFF2-40B4-BE49-F238E27FC236}">
-                  <a16:creationId xmlns:a16="http://schemas.microsoft.com/office/drawing/2014/main" id="{B4E460D8-415A-46D4-8C5C-BAEFD23C4AE8}"/>
-                </a:ext>
-              </a:extLst>
-            </p:cNvPr>
-            <p:cNvSpPr txBox="1"/>
-            <p:nvPr/>
-          </p:nvSpPr>
-          <p:spPr>
-            <a:xfrm>
-              <a:off x="3085875" y="6029085"/>
-              <a:ext cx="968086" cy="276999"/>
-            </a:xfrm>
-            <a:prstGeom prst="rect">
-              <a:avLst/>
-            </a:prstGeom>
-            <a:noFill/>
-            <a:ln>
-              <a:noFill/>
-            </a:ln>
-          </p:spPr>
-          <p:style>
-            <a:lnRef idx="2">
-              <a:schemeClr val="accent3"/>
-            </a:lnRef>
-            <a:fillRef idx="1">
-              <a:schemeClr val="lt1"/>
-            </a:fillRef>
-            <a:effectRef idx="0">
-              <a:schemeClr val="accent3"/>
-            </a:effectRef>
-            <a:fontRef idx="minor">
-              <a:schemeClr val="dk1"/>
-            </a:fontRef>
-          </p:style>
-          <p:txBody>
-            <a:bodyPr wrap="none" rtlCol="0">
-              <a:spAutoFit/>
-            </a:bodyPr>
-            <a:lstStyle/>
-            <a:p>
-              <a:r>
-                <a:rPr lang="de-DE" sz="1200" dirty="0"/>
-                <a:t>Vorarbeiten</a:t>
-              </a:r>
-            </a:p>
-          </p:txBody>
-        </p:sp>
-        <p:sp>
-          <p:nvSpPr>
-            <p:cNvPr id="12" name="Textfeld 11">
-              <a:extLst>
-                <a:ext uri="{FF2B5EF4-FFF2-40B4-BE49-F238E27FC236}">
-                  <a16:creationId xmlns:a16="http://schemas.microsoft.com/office/drawing/2014/main" id="{AB010EFA-6E4E-4576-AADE-6A094A017CDE}"/>
-                </a:ext>
-              </a:extLst>
-            </p:cNvPr>
-            <p:cNvSpPr txBox="1"/>
-            <p:nvPr/>
-          </p:nvSpPr>
-          <p:spPr>
-            <a:xfrm>
-              <a:off x="7605607" y="6029085"/>
-              <a:ext cx="1495202" cy="276999"/>
-            </a:xfrm>
-            <a:prstGeom prst="rect">
-              <a:avLst/>
-            </a:prstGeom>
-            <a:noFill/>
-            <a:ln>
-              <a:noFill/>
-            </a:ln>
-          </p:spPr>
-          <p:style>
-            <a:lnRef idx="2">
-              <a:schemeClr val="accent3"/>
-            </a:lnRef>
-            <a:fillRef idx="1">
-              <a:schemeClr val="lt1"/>
-            </a:fillRef>
-            <a:effectRef idx="0">
-              <a:schemeClr val="accent3"/>
-            </a:effectRef>
-            <a:fontRef idx="minor">
-              <a:schemeClr val="dk1"/>
-            </a:fontRef>
-          </p:style>
-          <p:txBody>
-            <a:bodyPr wrap="square" rtlCol="0">
-              <a:spAutoFit/>
-            </a:bodyPr>
-            <a:lstStyle/>
-            <a:p>
-              <a:r>
-                <a:rPr lang="de-DE" sz="1200" dirty="0"/>
-                <a:t>Zusammenfassung</a:t>
-              </a:r>
-            </a:p>
-          </p:txBody>
-        </p:sp>
-        <p:sp>
-          <p:nvSpPr>
-            <p:cNvPr id="13" name="Textfeld 12">
-              <a:extLst>
-                <a:ext uri="{FF2B5EF4-FFF2-40B4-BE49-F238E27FC236}">
-                  <a16:creationId xmlns:a16="http://schemas.microsoft.com/office/drawing/2014/main" id="{BC45503C-B52F-4718-91F4-947488AC18DC}"/>
-                </a:ext>
-              </a:extLst>
-            </p:cNvPr>
-            <p:cNvSpPr txBox="1"/>
-            <p:nvPr/>
-          </p:nvSpPr>
-          <p:spPr>
-            <a:xfrm>
-              <a:off x="188448" y="6029085"/>
-              <a:ext cx="888933" cy="276999"/>
-            </a:xfrm>
-            <a:prstGeom prst="rect">
-              <a:avLst/>
-            </a:prstGeom>
-            <a:noFill/>
-            <a:ln>
-              <a:noFill/>
-            </a:ln>
-          </p:spPr>
-          <p:style>
-            <a:lnRef idx="2">
-              <a:schemeClr val="accent3"/>
-            </a:lnRef>
-            <a:fillRef idx="1">
-              <a:schemeClr val="lt1"/>
-            </a:fillRef>
-            <a:effectRef idx="0">
-              <a:schemeClr val="accent3"/>
-            </a:effectRef>
-            <a:fontRef idx="minor">
-              <a:schemeClr val="dk1"/>
-            </a:fontRef>
-          </p:style>
-          <p:txBody>
-            <a:bodyPr wrap="square" rtlCol="0">
-              <a:spAutoFit/>
-            </a:bodyPr>
-            <a:lstStyle/>
-            <a:p>
-              <a:r>
-                <a:rPr lang="en-US" sz="1200" dirty="0"/>
-                <a:t>Motivation</a:t>
-              </a:r>
-            </a:p>
-          </p:txBody>
-        </p:sp>
-        <p:sp>
-          <p:nvSpPr>
-            <p:cNvPr id="14" name="Eingekerbter Richtungspfeil 23">
-              <a:extLst>
-                <a:ext uri="{FF2B5EF4-FFF2-40B4-BE49-F238E27FC236}">
-                  <a16:creationId xmlns:a16="http://schemas.microsoft.com/office/drawing/2014/main" id="{4BCA2023-AC78-404A-83BA-DD768DCDBF4C}"/>
-                </a:ext>
-              </a:extLst>
-            </p:cNvPr>
-            <p:cNvSpPr/>
-            <p:nvPr/>
-          </p:nvSpPr>
-          <p:spPr>
-            <a:xfrm>
-              <a:off x="1180176" y="6088336"/>
-              <a:ext cx="158496" cy="158496"/>
-            </a:xfrm>
-            <a:prstGeom prst="chevron">
-              <a:avLst/>
-            </a:prstGeom>
-          </p:spPr>
-          <p:style>
-            <a:lnRef idx="1">
-              <a:schemeClr val="accent4"/>
-            </a:lnRef>
-            <a:fillRef idx="2">
-              <a:schemeClr val="accent4"/>
-            </a:fillRef>
-            <a:effectRef idx="1">
-              <a:schemeClr val="accent4"/>
-            </a:effectRef>
-            <a:fontRef idx="minor">
-              <a:schemeClr val="dk1"/>
-            </a:fontRef>
-          </p:style>
-          <p:txBody>
-            <a:bodyPr rtlCol="0" anchor="ctr"/>
-            <a:lstStyle/>
-            <a:p>
-              <a:pPr algn="ctr"/>
-              <a:endParaRPr lang="de-DE" dirty="0">
-                <a:solidFill>
-                  <a:schemeClr val="tx1"/>
-                </a:solidFill>
-              </a:endParaRPr>
-            </a:p>
-          </p:txBody>
-        </p:sp>
-        <p:sp>
-          <p:nvSpPr>
-            <p:cNvPr id="15" name="Eingekerbter Richtungspfeil 24">
-              <a:extLst>
-                <a:ext uri="{FF2B5EF4-FFF2-40B4-BE49-F238E27FC236}">
-                  <a16:creationId xmlns:a16="http://schemas.microsoft.com/office/drawing/2014/main" id="{08789E60-13BE-4AB7-BC05-04E6CDA40CA7}"/>
-                </a:ext>
-              </a:extLst>
-            </p:cNvPr>
-            <p:cNvSpPr/>
-            <p:nvPr/>
-          </p:nvSpPr>
-          <p:spPr>
-            <a:xfrm>
-              <a:off x="2824584" y="6088336"/>
-              <a:ext cx="158496" cy="158496"/>
-            </a:xfrm>
-            <a:prstGeom prst="chevron">
-              <a:avLst/>
-            </a:prstGeom>
-          </p:spPr>
-          <p:style>
-            <a:lnRef idx="1">
-              <a:schemeClr val="accent4"/>
-            </a:lnRef>
-            <a:fillRef idx="2">
-              <a:schemeClr val="accent4"/>
-            </a:fillRef>
-            <a:effectRef idx="1">
-              <a:schemeClr val="accent4"/>
-            </a:effectRef>
-            <a:fontRef idx="minor">
-              <a:schemeClr val="dk1"/>
-            </a:fontRef>
-          </p:style>
-          <p:txBody>
-            <a:bodyPr rtlCol="0" anchor="ctr"/>
-            <a:lstStyle/>
-            <a:p>
-              <a:pPr algn="ctr"/>
-              <a:endParaRPr lang="de-DE">
-                <a:solidFill>
-                  <a:schemeClr val="tx1"/>
-                </a:solidFill>
-              </a:endParaRPr>
-            </a:p>
-          </p:txBody>
-        </p:sp>
-        <p:sp>
-          <p:nvSpPr>
-            <p:cNvPr id="16" name="Eingekerbter Richtungspfeil 25">
-              <a:extLst>
-                <a:ext uri="{FF2B5EF4-FFF2-40B4-BE49-F238E27FC236}">
-                  <a16:creationId xmlns:a16="http://schemas.microsoft.com/office/drawing/2014/main" id="{2A5BF7D1-8638-42E9-951A-E0E3AF51CBC3}"/>
-                </a:ext>
-              </a:extLst>
-            </p:cNvPr>
-            <p:cNvSpPr/>
-            <p:nvPr/>
-          </p:nvSpPr>
-          <p:spPr>
-            <a:xfrm>
-              <a:off x="7344316" y="6088336"/>
-              <a:ext cx="158496" cy="158496"/>
-            </a:xfrm>
-            <a:prstGeom prst="chevron">
-              <a:avLst/>
-            </a:prstGeom>
-          </p:spPr>
-          <p:style>
-            <a:lnRef idx="1">
-              <a:schemeClr val="accent4"/>
-            </a:lnRef>
-            <a:fillRef idx="2">
-              <a:schemeClr val="accent4"/>
-            </a:fillRef>
-            <a:effectRef idx="1">
-              <a:schemeClr val="accent4"/>
-            </a:effectRef>
-            <a:fontRef idx="minor">
-              <a:schemeClr val="dk1"/>
-            </a:fontRef>
-          </p:style>
-          <p:txBody>
-            <a:bodyPr rtlCol="0" anchor="ctr"/>
-            <a:lstStyle/>
-            <a:p>
-              <a:pPr algn="ctr"/>
-              <a:endParaRPr lang="de-DE" dirty="0">
-                <a:solidFill>
-                  <a:schemeClr val="tx1"/>
-                </a:solidFill>
-              </a:endParaRPr>
-            </a:p>
-          </p:txBody>
-        </p:sp>
-        <p:cxnSp>
-          <p:nvCxnSpPr>
-            <p:cNvPr id="17" name="Gerade Verbindung 28">
-              <a:extLst>
-                <a:ext uri="{FF2B5EF4-FFF2-40B4-BE49-F238E27FC236}">
-                  <a16:creationId xmlns:a16="http://schemas.microsoft.com/office/drawing/2014/main" id="{86DF199D-FEE5-428B-8966-B3CAB3A0DCF5}"/>
-                </a:ext>
-              </a:extLst>
-            </p:cNvPr>
-            <p:cNvCxnSpPr/>
-            <p:nvPr/>
-          </p:nvCxnSpPr>
-          <p:spPr>
-            <a:xfrm>
-              <a:off x="3900" y="6014135"/>
-              <a:ext cx="9072000" cy="1588"/>
-            </a:xfrm>
-            <a:prstGeom prst="line">
-              <a:avLst/>
-            </a:prstGeom>
-            <a:ln w="41275">
-              <a:solidFill>
-                <a:schemeClr val="accent3">
-                  <a:lumMod val="85000"/>
-                </a:schemeClr>
-              </a:solidFill>
-            </a:ln>
-          </p:spPr>
-          <p:style>
-            <a:lnRef idx="1">
-              <a:schemeClr val="accent1"/>
-            </a:lnRef>
-            <a:fillRef idx="0">
-              <a:schemeClr val="accent1"/>
-            </a:fillRef>
-            <a:effectRef idx="0">
-              <a:schemeClr val="accent1"/>
-            </a:effectRef>
-            <a:fontRef idx="minor">
-              <a:schemeClr val="tx1"/>
-            </a:fontRef>
-          </p:style>
-        </p:cxnSp>
-        <p:sp>
-          <p:nvSpPr>
-            <p:cNvPr id="18" name="Textfeld 17">
-              <a:extLst>
-                <a:ext uri="{FF2B5EF4-FFF2-40B4-BE49-F238E27FC236}">
-                  <a16:creationId xmlns:a16="http://schemas.microsoft.com/office/drawing/2014/main" id="{7A8218EB-6905-46E7-856B-23BD535E42F6}"/>
-                </a:ext>
-              </a:extLst>
-            </p:cNvPr>
-            <p:cNvSpPr txBox="1"/>
-            <p:nvPr/>
-          </p:nvSpPr>
-          <p:spPr>
-            <a:xfrm>
-              <a:off x="4418047" y="6029085"/>
-              <a:ext cx="1491302" cy="276999"/>
-            </a:xfrm>
-            <a:prstGeom prst="rect">
-              <a:avLst/>
-            </a:prstGeom>
-            <a:noFill/>
-            <a:ln>
-              <a:noFill/>
-            </a:ln>
-          </p:spPr>
-          <p:style>
-            <a:lnRef idx="2">
-              <a:schemeClr val="accent3"/>
-            </a:lnRef>
-            <a:fillRef idx="1">
-              <a:schemeClr val="lt1"/>
-            </a:fillRef>
-            <a:effectRef idx="0">
-              <a:schemeClr val="accent3"/>
-            </a:effectRef>
-            <a:fontRef idx="minor">
-              <a:schemeClr val="dk1"/>
-            </a:fontRef>
-          </p:style>
-          <p:txBody>
-            <a:bodyPr wrap="square" rtlCol="0">
-              <a:spAutoFit/>
-            </a:bodyPr>
-            <a:lstStyle/>
-            <a:p>
-              <a:r>
-                <a:rPr lang="de-DE" sz="1200" b="1" dirty="0"/>
-                <a:t>Ziele &amp; Methodik</a:t>
-              </a:r>
-            </a:p>
-          </p:txBody>
-        </p:sp>
-        <p:sp>
-          <p:nvSpPr>
-            <p:cNvPr id="19" name="Eingekerbter Richtungspfeil 25">
-              <a:extLst>
-                <a:ext uri="{FF2B5EF4-FFF2-40B4-BE49-F238E27FC236}">
-                  <a16:creationId xmlns:a16="http://schemas.microsoft.com/office/drawing/2014/main" id="{03F1F5A3-CC6B-42FE-940E-C25CE037F283}"/>
-                </a:ext>
-              </a:extLst>
-            </p:cNvPr>
-            <p:cNvSpPr/>
-            <p:nvPr/>
-          </p:nvSpPr>
-          <p:spPr>
-            <a:xfrm>
-              <a:off x="4156756" y="6088336"/>
-              <a:ext cx="158496" cy="158496"/>
-            </a:xfrm>
-            <a:prstGeom prst="chevron">
-              <a:avLst/>
-            </a:prstGeom>
-          </p:spPr>
-          <p:style>
-            <a:lnRef idx="1">
-              <a:schemeClr val="accent4"/>
-            </a:lnRef>
-            <a:fillRef idx="2">
-              <a:schemeClr val="accent4"/>
-            </a:fillRef>
-            <a:effectRef idx="1">
-              <a:schemeClr val="accent4"/>
-            </a:effectRef>
-            <a:fontRef idx="minor">
-              <a:schemeClr val="dk1"/>
-            </a:fontRef>
-          </p:style>
-          <p:txBody>
-            <a:bodyPr rtlCol="0" anchor="ctr"/>
-            <a:lstStyle/>
-            <a:p>
-              <a:pPr algn="ctr"/>
-              <a:endParaRPr lang="de-DE">
-                <a:solidFill>
-                  <a:schemeClr val="tx1"/>
-                </a:solidFill>
-              </a:endParaRPr>
-            </a:p>
-          </p:txBody>
-        </p:sp>
-        <p:sp>
-          <p:nvSpPr>
-            <p:cNvPr id="20" name="Textfeld 19">
-              <a:extLst>
-                <a:ext uri="{FF2B5EF4-FFF2-40B4-BE49-F238E27FC236}">
-                  <a16:creationId xmlns:a16="http://schemas.microsoft.com/office/drawing/2014/main" id="{2BE07060-A644-4D6E-AB83-8A75B69474FB}"/>
-                </a:ext>
-              </a:extLst>
-            </p:cNvPr>
-            <p:cNvSpPr txBox="1"/>
-            <p:nvPr/>
-          </p:nvSpPr>
-          <p:spPr>
-            <a:xfrm>
-              <a:off x="6273434" y="6029085"/>
-              <a:ext cx="1029065" cy="276999"/>
-            </a:xfrm>
-            <a:prstGeom prst="rect">
-              <a:avLst/>
-            </a:prstGeom>
-            <a:noFill/>
-            <a:ln>
-              <a:noFill/>
-            </a:ln>
-          </p:spPr>
-          <p:style>
-            <a:lnRef idx="2">
-              <a:schemeClr val="accent3"/>
-            </a:lnRef>
-            <a:fillRef idx="1">
-              <a:schemeClr val="lt1"/>
-            </a:fillRef>
-            <a:effectRef idx="0">
-              <a:schemeClr val="accent3"/>
-            </a:effectRef>
-            <a:fontRef idx="minor">
-              <a:schemeClr val="dk1"/>
-            </a:fontRef>
-          </p:style>
-          <p:txBody>
-            <a:bodyPr wrap="square" rtlCol="0">
-              <a:spAutoFit/>
-            </a:bodyPr>
-            <a:lstStyle/>
-            <a:p>
-              <a:r>
-                <a:rPr lang="de-DE" sz="1200" dirty="0"/>
-                <a:t>Arbeitsplan</a:t>
-              </a:r>
-            </a:p>
-          </p:txBody>
-        </p:sp>
-        <p:sp>
-          <p:nvSpPr>
-            <p:cNvPr id="21" name="Eingekerbter Richtungspfeil 25">
-              <a:extLst>
-                <a:ext uri="{FF2B5EF4-FFF2-40B4-BE49-F238E27FC236}">
-                  <a16:creationId xmlns:a16="http://schemas.microsoft.com/office/drawing/2014/main" id="{C387C7B3-604F-43B0-AAB2-43A6D3451FB7}"/>
-                </a:ext>
-              </a:extLst>
-            </p:cNvPr>
-            <p:cNvSpPr/>
-            <p:nvPr/>
-          </p:nvSpPr>
-          <p:spPr>
-            <a:xfrm>
-              <a:off x="6012144" y="6088336"/>
-              <a:ext cx="158496" cy="158496"/>
-            </a:xfrm>
-            <a:prstGeom prst="chevron">
-              <a:avLst/>
-            </a:prstGeom>
-          </p:spPr>
-          <p:style>
-            <a:lnRef idx="1">
-              <a:schemeClr val="accent4"/>
-            </a:lnRef>
-            <a:fillRef idx="2">
-              <a:schemeClr val="accent4"/>
-            </a:fillRef>
-            <a:effectRef idx="1">
-              <a:schemeClr val="accent4"/>
-            </a:effectRef>
-            <a:fontRef idx="minor">
-              <a:schemeClr val="dk1"/>
-            </a:fontRef>
-          </p:style>
-          <p:txBody>
-            <a:bodyPr rtlCol="0" anchor="ctr"/>
-            <a:lstStyle/>
-            <a:p>
-              <a:pPr algn="ctr"/>
-              <a:endParaRPr lang="de-DE">
-                <a:solidFill>
-                  <a:schemeClr val="tx1"/>
-                </a:solidFill>
-              </a:endParaRPr>
-            </a:p>
-          </p:txBody>
-        </p:sp>
-      </p:grpSp>
       <p:pic>
         <p:nvPicPr>
           <p:cNvPr id="3" name="Grafik 2">
@@ -12175,6 +11359,422 @@
           </a:p>
         </p:txBody>
       </p:sp>
+      <p:grpSp>
+        <p:nvGrpSpPr>
+          <p:cNvPr id="26" name="Gruppieren 25">
+            <a:extLst>
+              <a:ext uri="{FF2B5EF4-FFF2-40B4-BE49-F238E27FC236}">
+                <a16:creationId xmlns:a16="http://schemas.microsoft.com/office/drawing/2014/main" id="{D1193136-1848-4824-B44D-19137609957F}"/>
+              </a:ext>
+            </a:extLst>
+          </p:cNvPr>
+          <p:cNvGrpSpPr/>
+          <p:nvPr/>
+        </p:nvGrpSpPr>
+        <p:grpSpPr>
+          <a:xfrm>
+            <a:off x="3900" y="6014135"/>
+            <a:ext cx="9072000" cy="301151"/>
+            <a:chOff x="3900" y="6014135"/>
+            <a:chExt cx="9072000" cy="301151"/>
+          </a:xfrm>
+        </p:grpSpPr>
+        <p:sp>
+          <p:nvSpPr>
+            <p:cNvPr id="27" name="Textfeld 26">
+              <a:extLst>
+                <a:ext uri="{FF2B5EF4-FFF2-40B4-BE49-F238E27FC236}">
+                  <a16:creationId xmlns:a16="http://schemas.microsoft.com/office/drawing/2014/main" id="{40D9594F-AEC3-429D-B0E1-995E3E2877EB}"/>
+                </a:ext>
+              </a:extLst>
+            </p:cNvPr>
+            <p:cNvSpPr txBox="1"/>
+            <p:nvPr/>
+          </p:nvSpPr>
+          <p:spPr>
+            <a:xfrm>
+              <a:off x="7514250" y="6038287"/>
+              <a:ext cx="1495202" cy="276999"/>
+            </a:xfrm>
+            <a:prstGeom prst="rect">
+              <a:avLst/>
+            </a:prstGeom>
+            <a:noFill/>
+            <a:ln>
+              <a:noFill/>
+            </a:ln>
+          </p:spPr>
+          <p:style>
+            <a:lnRef idx="2">
+              <a:schemeClr val="accent3"/>
+            </a:lnRef>
+            <a:fillRef idx="1">
+              <a:schemeClr val="lt1"/>
+            </a:fillRef>
+            <a:effectRef idx="0">
+              <a:schemeClr val="accent3"/>
+            </a:effectRef>
+            <a:fontRef idx="minor">
+              <a:schemeClr val="dk1"/>
+            </a:fontRef>
+          </p:style>
+          <p:txBody>
+            <a:bodyPr wrap="square" rtlCol="0">
+              <a:spAutoFit/>
+            </a:bodyPr>
+            <a:lstStyle/>
+            <a:p>
+              <a:r>
+                <a:rPr lang="de-DE" sz="1200" dirty="0"/>
+                <a:t>Zusammenfassung</a:t>
+              </a:r>
+            </a:p>
+          </p:txBody>
+        </p:sp>
+        <p:sp>
+          <p:nvSpPr>
+            <p:cNvPr id="28" name="Textfeld 27">
+              <a:extLst>
+                <a:ext uri="{FF2B5EF4-FFF2-40B4-BE49-F238E27FC236}">
+                  <a16:creationId xmlns:a16="http://schemas.microsoft.com/office/drawing/2014/main" id="{BF3163C8-DDF4-45CF-9DEB-FE1EAD6E7662}"/>
+                </a:ext>
+              </a:extLst>
+            </p:cNvPr>
+            <p:cNvSpPr txBox="1"/>
+            <p:nvPr/>
+          </p:nvSpPr>
+          <p:spPr>
+            <a:xfrm>
+              <a:off x="97091" y="6038287"/>
+              <a:ext cx="888933" cy="276999"/>
+            </a:xfrm>
+            <a:prstGeom prst="rect">
+              <a:avLst/>
+            </a:prstGeom>
+            <a:noFill/>
+            <a:ln>
+              <a:noFill/>
+            </a:ln>
+          </p:spPr>
+          <p:style>
+            <a:lnRef idx="2">
+              <a:schemeClr val="accent3"/>
+            </a:lnRef>
+            <a:fillRef idx="1">
+              <a:schemeClr val="lt1"/>
+            </a:fillRef>
+            <a:effectRef idx="0">
+              <a:schemeClr val="accent3"/>
+            </a:effectRef>
+            <a:fontRef idx="minor">
+              <a:schemeClr val="dk1"/>
+            </a:fontRef>
+          </p:style>
+          <p:txBody>
+            <a:bodyPr wrap="square" rtlCol="0">
+              <a:spAutoFit/>
+            </a:bodyPr>
+            <a:lstStyle/>
+            <a:p>
+              <a:r>
+                <a:rPr lang="en-US" sz="1200" dirty="0"/>
+                <a:t>Motivation</a:t>
+              </a:r>
+            </a:p>
+          </p:txBody>
+        </p:sp>
+        <p:sp>
+          <p:nvSpPr>
+            <p:cNvPr id="29" name="Eingekerbter Richtungspfeil 23">
+              <a:extLst>
+                <a:ext uri="{FF2B5EF4-FFF2-40B4-BE49-F238E27FC236}">
+                  <a16:creationId xmlns:a16="http://schemas.microsoft.com/office/drawing/2014/main" id="{CB897439-6410-432B-AD16-0135D0E1E59D}"/>
+                </a:ext>
+              </a:extLst>
+            </p:cNvPr>
+            <p:cNvSpPr/>
+            <p:nvPr/>
+          </p:nvSpPr>
+          <p:spPr>
+            <a:xfrm>
+              <a:off x="1574753" y="6097538"/>
+              <a:ext cx="158496" cy="158496"/>
+            </a:xfrm>
+            <a:prstGeom prst="chevron">
+              <a:avLst/>
+            </a:prstGeom>
+          </p:spPr>
+          <p:style>
+            <a:lnRef idx="1">
+              <a:schemeClr val="accent4"/>
+            </a:lnRef>
+            <a:fillRef idx="2">
+              <a:schemeClr val="accent4"/>
+            </a:fillRef>
+            <a:effectRef idx="1">
+              <a:schemeClr val="accent4"/>
+            </a:effectRef>
+            <a:fontRef idx="minor">
+              <a:schemeClr val="dk1"/>
+            </a:fontRef>
+          </p:style>
+          <p:txBody>
+            <a:bodyPr rtlCol="0" anchor="ctr"/>
+            <a:lstStyle/>
+            <a:p>
+              <a:pPr algn="ctr"/>
+              <a:endParaRPr lang="de-DE" dirty="0">
+                <a:solidFill>
+                  <a:schemeClr val="tx1"/>
+                </a:solidFill>
+              </a:endParaRPr>
+            </a:p>
+          </p:txBody>
+        </p:sp>
+        <p:sp>
+          <p:nvSpPr>
+            <p:cNvPr id="30" name="Eingekerbter Richtungspfeil 25">
+              <a:extLst>
+                <a:ext uri="{FF2B5EF4-FFF2-40B4-BE49-F238E27FC236}">
+                  <a16:creationId xmlns:a16="http://schemas.microsoft.com/office/drawing/2014/main" id="{60B5D79B-E5F8-4E23-BF5B-FEB8D9611BB3}"/>
+                </a:ext>
+              </a:extLst>
+            </p:cNvPr>
+            <p:cNvSpPr/>
+            <p:nvPr/>
+          </p:nvSpPr>
+          <p:spPr>
+            <a:xfrm>
+              <a:off x="6767028" y="6097538"/>
+              <a:ext cx="158496" cy="158496"/>
+            </a:xfrm>
+            <a:prstGeom prst="chevron">
+              <a:avLst/>
+            </a:prstGeom>
+          </p:spPr>
+          <p:style>
+            <a:lnRef idx="1">
+              <a:schemeClr val="accent4"/>
+            </a:lnRef>
+            <a:fillRef idx="2">
+              <a:schemeClr val="accent4"/>
+            </a:fillRef>
+            <a:effectRef idx="1">
+              <a:schemeClr val="accent4"/>
+            </a:effectRef>
+            <a:fontRef idx="minor">
+              <a:schemeClr val="dk1"/>
+            </a:fontRef>
+          </p:style>
+          <p:txBody>
+            <a:bodyPr rtlCol="0" anchor="ctr"/>
+            <a:lstStyle/>
+            <a:p>
+              <a:pPr algn="ctr"/>
+              <a:endParaRPr lang="de-DE" dirty="0">
+                <a:solidFill>
+                  <a:schemeClr val="tx1"/>
+                </a:solidFill>
+              </a:endParaRPr>
+            </a:p>
+          </p:txBody>
+        </p:sp>
+        <p:cxnSp>
+          <p:nvCxnSpPr>
+            <p:cNvPr id="31" name="Gerade Verbindung 28">
+              <a:extLst>
+                <a:ext uri="{FF2B5EF4-FFF2-40B4-BE49-F238E27FC236}">
+                  <a16:creationId xmlns:a16="http://schemas.microsoft.com/office/drawing/2014/main" id="{CA50C7FD-C157-4E9B-A2B1-CA7FBF0595AD}"/>
+                </a:ext>
+              </a:extLst>
+            </p:cNvPr>
+            <p:cNvCxnSpPr/>
+            <p:nvPr/>
+          </p:nvCxnSpPr>
+          <p:spPr>
+            <a:xfrm>
+              <a:off x="3900" y="6014135"/>
+              <a:ext cx="9072000" cy="1588"/>
+            </a:xfrm>
+            <a:prstGeom prst="line">
+              <a:avLst/>
+            </a:prstGeom>
+            <a:ln w="41275">
+              <a:solidFill>
+                <a:schemeClr val="accent3">
+                  <a:lumMod val="85000"/>
+                </a:schemeClr>
+              </a:solidFill>
+            </a:ln>
+          </p:spPr>
+          <p:style>
+            <a:lnRef idx="1">
+              <a:schemeClr val="accent1"/>
+            </a:lnRef>
+            <a:fillRef idx="0">
+              <a:schemeClr val="accent1"/>
+            </a:fillRef>
+            <a:effectRef idx="0">
+              <a:schemeClr val="accent1"/>
+            </a:effectRef>
+            <a:fontRef idx="minor">
+              <a:schemeClr val="tx1"/>
+            </a:fontRef>
+          </p:style>
+        </p:cxnSp>
+        <p:sp>
+          <p:nvSpPr>
+            <p:cNvPr id="32" name="Textfeld 31">
+              <a:extLst>
+                <a:ext uri="{FF2B5EF4-FFF2-40B4-BE49-F238E27FC236}">
+                  <a16:creationId xmlns:a16="http://schemas.microsoft.com/office/drawing/2014/main" id="{F005093E-EF42-48C6-B835-40C279E9BA36}"/>
+                </a:ext>
+              </a:extLst>
+            </p:cNvPr>
+            <p:cNvSpPr txBox="1"/>
+            <p:nvPr/>
+          </p:nvSpPr>
+          <p:spPr>
+            <a:xfrm>
+              <a:off x="4686997" y="6038287"/>
+              <a:ext cx="1491302" cy="276999"/>
+            </a:xfrm>
+            <a:prstGeom prst="rect">
+              <a:avLst/>
+            </a:prstGeom>
+            <a:noFill/>
+            <a:ln>
+              <a:noFill/>
+            </a:ln>
+          </p:spPr>
+          <p:style>
+            <a:lnRef idx="2">
+              <a:schemeClr val="accent3"/>
+            </a:lnRef>
+            <a:fillRef idx="1">
+              <a:schemeClr val="lt1"/>
+            </a:fillRef>
+            <a:effectRef idx="0">
+              <a:schemeClr val="accent3"/>
+            </a:effectRef>
+            <a:fontRef idx="minor">
+              <a:schemeClr val="dk1"/>
+            </a:fontRef>
+          </p:style>
+          <p:txBody>
+            <a:bodyPr wrap="square" rtlCol="0">
+              <a:spAutoFit/>
+            </a:bodyPr>
+            <a:lstStyle/>
+            <a:p>
+              <a:r>
+                <a:rPr lang="de-DE" sz="1200" dirty="0"/>
+                <a:t>Erste Ergebnisse</a:t>
+              </a:r>
+            </a:p>
+          </p:txBody>
+        </p:sp>
+        <p:sp>
+          <p:nvSpPr>
+            <p:cNvPr id="33" name="Textfeld 32">
+              <a:extLst>
+                <a:ext uri="{FF2B5EF4-FFF2-40B4-BE49-F238E27FC236}">
+                  <a16:creationId xmlns:a16="http://schemas.microsoft.com/office/drawing/2014/main" id="{2EA0FA07-928C-4316-B00F-27A4DA2B6CB5}"/>
+                </a:ext>
+              </a:extLst>
+            </p:cNvPr>
+            <p:cNvSpPr txBox="1"/>
+            <p:nvPr/>
+          </p:nvSpPr>
+          <p:spPr>
+            <a:xfrm>
+              <a:off x="2321978" y="6038287"/>
+              <a:ext cx="1029065" cy="276999"/>
+            </a:xfrm>
+            <a:prstGeom prst="rect">
+              <a:avLst/>
+            </a:prstGeom>
+            <a:noFill/>
+            <a:ln>
+              <a:noFill/>
+            </a:ln>
+          </p:spPr>
+          <p:style>
+            <a:lnRef idx="2">
+              <a:schemeClr val="accent3"/>
+            </a:lnRef>
+            <a:fillRef idx="1">
+              <a:schemeClr val="lt1"/>
+            </a:fillRef>
+            <a:effectRef idx="0">
+              <a:schemeClr val="accent3"/>
+            </a:effectRef>
+            <a:fontRef idx="minor">
+              <a:schemeClr val="dk1"/>
+            </a:fontRef>
+          </p:style>
+          <p:txBody>
+            <a:bodyPr wrap="square" rtlCol="0">
+              <a:spAutoFit/>
+            </a:bodyPr>
+            <a:lstStyle/>
+            <a:p>
+              <a:r>
+                <a:rPr lang="de-DE" sz="1200" b="1" dirty="0"/>
+                <a:t>Arbeitsplan</a:t>
+              </a:r>
+            </a:p>
+          </p:txBody>
+        </p:sp>
+        <p:sp>
+          <p:nvSpPr>
+            <p:cNvPr id="34" name="Eingekerbter Richtungspfeil 25">
+              <a:extLst>
+                <a:ext uri="{FF2B5EF4-FFF2-40B4-BE49-F238E27FC236}">
+                  <a16:creationId xmlns:a16="http://schemas.microsoft.com/office/drawing/2014/main" id="{3C5FD69C-B931-4364-A104-0338DA213841}"/>
+                </a:ext>
+              </a:extLst>
+            </p:cNvPr>
+            <p:cNvSpPr/>
+            <p:nvPr/>
+          </p:nvSpPr>
+          <p:spPr>
+            <a:xfrm>
+              <a:off x="3939772" y="6097538"/>
+              <a:ext cx="158496" cy="158496"/>
+            </a:xfrm>
+            <a:prstGeom prst="chevron">
+              <a:avLst/>
+            </a:prstGeom>
+          </p:spPr>
+          <p:style>
+            <a:lnRef idx="1">
+              <a:schemeClr val="accent4"/>
+            </a:lnRef>
+            <a:fillRef idx="2">
+              <a:schemeClr val="accent4"/>
+            </a:fillRef>
+            <a:effectRef idx="1">
+              <a:schemeClr val="accent4"/>
+            </a:effectRef>
+            <a:fontRef idx="minor">
+              <a:schemeClr val="dk1"/>
+            </a:fontRef>
+          </p:style>
+          <p:txBody>
+            <a:bodyPr rtlCol="0" anchor="ctr"/>
+            <a:lstStyle/>
+            <a:p>
+              <a:pPr algn="ctr"/>
+              <a:endParaRPr lang="de-DE">
+                <a:solidFill>
+                  <a:schemeClr val="tx1"/>
+                </a:solidFill>
+              </a:endParaRPr>
+            </a:p>
+          </p:txBody>
+        </p:sp>
+      </p:grpSp>
     </p:spTree>
     <p:extLst>
       <p:ext uri="{BB962C8B-B14F-4D97-AF65-F5344CB8AC3E}">
@@ -26440,7 +26040,11 @@
             </a:pPr>
             <a:r>
               <a:rPr lang="de-DE" noProof="0" dirty="0"/>
-              <a:t>Modelliere und Simuliere </a:t>
+              <a:t>Modelliere </a:t>
+            </a:r>
+            <a:r>
+              <a:rPr lang="de-DE" noProof="0"/>
+              <a:t>und simuliere </a:t>
             </a:r>
             <a:r>
               <a:rPr lang="de-DE" dirty="0"/>
